--- a/LatexTemplate/img/Mockups/mockups.pptx
+++ b/LatexTemplate/img/Mockups/mockups.pptx
@@ -104,6 +104,11 @@
       </a:defRPr>
     </a:lvl9pPr>
   </p:defaultTextStyle>
+  <p:extLst>
+    <p:ext uri="{EFAFB233-063F-42B5-8137-9DF3F51BA10A}">
+      <p15:sldGuideLst xmlns:p15="http://schemas.microsoft.com/office/powerpoint/2012/main"/>
+    </p:ext>
+  </p:extLst>
 </p:presentation>
 </file>
 
@@ -2966,7 +2971,7 @@
       </p:grpSpPr>
       <p:pic>
         <p:nvPicPr>
-          <p:cNvPr id="4" name="Grafik 3"/>
+          <p:cNvPr id="2" name="Grafik 1"/>
           <p:cNvPicPr>
             <a:picLocks noChangeAspect="1"/>
           </p:cNvPicPr>
@@ -2986,8 +2991,8 @@
         </p:blipFill>
         <p:spPr>
           <a:xfrm>
-            <a:off x="2015355" y="0"/>
-            <a:ext cx="8161290" cy="6858000"/>
+            <a:off x="2014719" y="0"/>
+            <a:ext cx="8162561" cy="6858000"/>
           </a:xfrm>
           <a:prstGeom prst="rect">
             <a:avLst/>
@@ -3140,8 +3145,8 @@
         </p:nvSpPr>
         <p:spPr>
           <a:xfrm>
-            <a:off x="2225615" y="388189"/>
-            <a:ext cx="7798279" cy="480009"/>
+            <a:off x="2225615" y="453081"/>
+            <a:ext cx="7798279" cy="415117"/>
           </a:xfrm>
           <a:prstGeom prst="rect">
             <a:avLst/>
